--- a/Documents/OpAIde_Block Diagram.pptx
+++ b/Documents/OpAIde_Block Diagram.pptx
@@ -244,7 +244,7 @@
           <a:p>
             <a:fld id="{C5AFD3E8-1757-4CCD-B793-64C7D73655C0}" type="datetimeFigureOut">
               <a:rPr lang="en-US" smtClean="0"/>
-              <a:t>17-Mar-15</a:t>
+              <a:t>28-Apr-15</a:t>
             </a:fld>
             <a:endParaRPr lang="en-US"/>
           </a:p>
@@ -414,7 +414,7 @@
           <a:p>
             <a:fld id="{C5AFD3E8-1757-4CCD-B793-64C7D73655C0}" type="datetimeFigureOut">
               <a:rPr lang="en-US" smtClean="0"/>
-              <a:t>17-Mar-15</a:t>
+              <a:t>28-Apr-15</a:t>
             </a:fld>
             <a:endParaRPr lang="en-US"/>
           </a:p>
@@ -594,7 +594,7 @@
           <a:p>
             <a:fld id="{C5AFD3E8-1757-4CCD-B793-64C7D73655C0}" type="datetimeFigureOut">
               <a:rPr lang="en-US" smtClean="0"/>
-              <a:t>17-Mar-15</a:t>
+              <a:t>28-Apr-15</a:t>
             </a:fld>
             <a:endParaRPr lang="en-US"/>
           </a:p>
@@ -764,7 +764,7 @@
           <a:p>
             <a:fld id="{C5AFD3E8-1757-4CCD-B793-64C7D73655C0}" type="datetimeFigureOut">
               <a:rPr lang="en-US" smtClean="0"/>
-              <a:t>17-Mar-15</a:t>
+              <a:t>28-Apr-15</a:t>
             </a:fld>
             <a:endParaRPr lang="en-US"/>
           </a:p>
@@ -1010,7 +1010,7 @@
           <a:p>
             <a:fld id="{C5AFD3E8-1757-4CCD-B793-64C7D73655C0}" type="datetimeFigureOut">
               <a:rPr lang="en-US" smtClean="0"/>
-              <a:t>17-Mar-15</a:t>
+              <a:t>28-Apr-15</a:t>
             </a:fld>
             <a:endParaRPr lang="en-US"/>
           </a:p>
@@ -1242,7 +1242,7 @@
           <a:p>
             <a:fld id="{C5AFD3E8-1757-4CCD-B793-64C7D73655C0}" type="datetimeFigureOut">
               <a:rPr lang="en-US" smtClean="0"/>
-              <a:t>17-Mar-15</a:t>
+              <a:t>28-Apr-15</a:t>
             </a:fld>
             <a:endParaRPr lang="en-US"/>
           </a:p>
@@ -1609,7 +1609,7 @@
           <a:p>
             <a:fld id="{C5AFD3E8-1757-4CCD-B793-64C7D73655C0}" type="datetimeFigureOut">
               <a:rPr lang="en-US" smtClean="0"/>
-              <a:t>17-Mar-15</a:t>
+              <a:t>28-Apr-15</a:t>
             </a:fld>
             <a:endParaRPr lang="en-US"/>
           </a:p>
@@ -1727,7 +1727,7 @@
           <a:p>
             <a:fld id="{C5AFD3E8-1757-4CCD-B793-64C7D73655C0}" type="datetimeFigureOut">
               <a:rPr lang="en-US" smtClean="0"/>
-              <a:t>17-Mar-15</a:t>
+              <a:t>28-Apr-15</a:t>
             </a:fld>
             <a:endParaRPr lang="en-US"/>
           </a:p>
@@ -1822,7 +1822,7 @@
           <a:p>
             <a:fld id="{C5AFD3E8-1757-4CCD-B793-64C7D73655C0}" type="datetimeFigureOut">
               <a:rPr lang="en-US" smtClean="0"/>
-              <a:t>17-Mar-15</a:t>
+              <a:t>28-Apr-15</a:t>
             </a:fld>
             <a:endParaRPr lang="en-US"/>
           </a:p>
@@ -2099,7 +2099,7 @@
           <a:p>
             <a:fld id="{C5AFD3E8-1757-4CCD-B793-64C7D73655C0}" type="datetimeFigureOut">
               <a:rPr lang="en-US" smtClean="0"/>
-              <a:t>17-Mar-15</a:t>
+              <a:t>28-Apr-15</a:t>
             </a:fld>
             <a:endParaRPr lang="en-US"/>
           </a:p>
@@ -2352,7 +2352,7 @@
           <a:p>
             <a:fld id="{C5AFD3E8-1757-4CCD-B793-64C7D73655C0}" type="datetimeFigureOut">
               <a:rPr lang="en-US" smtClean="0"/>
-              <a:t>17-Mar-15</a:t>
+              <a:t>28-Apr-15</a:t>
             </a:fld>
             <a:endParaRPr lang="en-US"/>
           </a:p>
@@ -2565,7 +2565,7 @@
           <a:p>
             <a:fld id="{C5AFD3E8-1757-4CCD-B793-64C7D73655C0}" type="datetimeFigureOut">
               <a:rPr lang="en-US" smtClean="0"/>
-              <a:t>17-Mar-15</a:t>
+              <a:t>28-Apr-15</a:t>
             </a:fld>
             <a:endParaRPr lang="en-US"/>
           </a:p>
@@ -3369,8 +3369,8 @@
         </p:nvCxnSpPr>
         <p:spPr>
           <a:xfrm>
-            <a:off x="880068" y="1307536"/>
-            <a:ext cx="8541113" cy="33132"/>
+            <a:off x="772078" y="1307117"/>
+            <a:ext cx="8649103" cy="33551"/>
           </a:xfrm>
           <a:prstGeom prst="line">
             <a:avLst/>
